--- a/wealth_pilot/WealthPilot_Presentation.pptx
+++ b/wealth_pilot/WealthPilot_Presentation.pptx
@@ -5,13 +5,13 @@
     <p:sldMasterId id="2147483648" r:id="rId1"/>
   </p:sldMasterIdLst>
   <p:sldIdLst>
-    <p:sldId id="256" r:id="rId2"/>
-    <p:sldId id="257" r:id="rId3"/>
-    <p:sldId id="258" r:id="rId4"/>
-    <p:sldId id="259" r:id="rId5"/>
-    <p:sldId id="260" r:id="rId6"/>
-    <p:sldId id="261" r:id="rId7"/>
-    <p:sldId id="262" r:id="rId8"/>
+    <p:sldId id="256" r:id="rId7"/>
+    <p:sldId id="257" r:id="rId8"/>
+    <p:sldId id="258" r:id="rId9"/>
+    <p:sldId id="259" r:id="rId10"/>
+    <p:sldId id="260" r:id="rId11"/>
+    <p:sldId id="261" r:id="rId12"/>
+    <p:sldId id="262" r:id="rId13"/>
   </p:sldIdLst>
   <p:sldSz cx="9144000" cy="6858000" type="screen4x3"/>
   <p:notesSz cx="6858000" cy="9144000"/>
@@ -110,22 +110,6 @@
       </a:defRPr>
     </a:lvl9pPr>
   </p:defaultTextStyle>
-  <p:extLst>
-    <p:ext uri="{EFAFB233-063F-42B5-8137-9DF3F51BA10A}">
-      <p15:sldGuideLst xmlns:p15="http://schemas.microsoft.com/office/powerpoint/2012/main">
-        <p15:guide id="1" orient="horz" pos="2160">
-          <p15:clr>
-            <a:srgbClr val="A4A3A4"/>
-          </p15:clr>
-        </p15:guide>
-        <p15:guide id="2" pos="2880">
-          <p15:clr>
-            <a:srgbClr val="A4A3A4"/>
-          </p15:clr>
-        </p15:guide>
-      </p15:sldGuideLst>
-    </p:ext>
-  </p:extLst>
 </p:presentation>
 </file>
 
@@ -167,9 +151,10 @@
           <a:lstStyle/>
           <a:p>
             <a:r>
-              <a:rPr lang="en-US"/>
+              <a:rPr lang="en-US" smtClean="0"/>
               <a:t>Click to edit Master title style</a:t>
             </a:r>
+            <a:endParaRPr lang="en-US"/>
           </a:p>
         </p:txBody>
       </p:sp>
@@ -285,9 +270,10 @@
           </a:lstStyle>
           <a:p>
             <a:r>
-              <a:rPr lang="en-US"/>
+              <a:rPr lang="en-US" smtClean="0"/>
               <a:t>Click to edit Master subtitle style</a:t>
             </a:r>
+            <a:endParaRPr lang="en-US"/>
           </a:p>
         </p:txBody>
       </p:sp>
@@ -308,7 +294,7 @@
           <a:p>
             <a:fld id="{5BCAD085-E8A6-8845-BD4E-CB4CCA059FC4}" type="datetimeFigureOut">
               <a:rPr lang="en-US" smtClean="0"/>
-              <a:t>12/5/2025</a:t>
+              <a:t>1/27/13</a:t>
             </a:fld>
             <a:endParaRPr lang="en-US"/>
           </a:p>
@@ -402,9 +388,10 @@
           <a:lstStyle/>
           <a:p>
             <a:r>
-              <a:rPr lang="en-US"/>
+              <a:rPr lang="en-US" smtClean="0"/>
               <a:t>Click to edit Master title style</a:t>
             </a:r>
+            <a:endParaRPr lang="en-US"/>
           </a:p>
         </p:txBody>
       </p:sp>
@@ -425,37 +412,38 @@
           <a:p>
             <a:pPr lvl="0"/>
             <a:r>
-              <a:rPr lang="en-US"/>
+              <a:rPr lang="en-US" smtClean="0"/>
               <a:t>Click to edit Master text styles</a:t>
             </a:r>
           </a:p>
           <a:p>
             <a:pPr lvl="1"/>
             <a:r>
-              <a:rPr lang="en-US"/>
+              <a:rPr lang="en-US" smtClean="0"/>
               <a:t>Second level</a:t>
             </a:r>
           </a:p>
           <a:p>
             <a:pPr lvl="2"/>
             <a:r>
-              <a:rPr lang="en-US"/>
+              <a:rPr lang="en-US" smtClean="0"/>
               <a:t>Third level</a:t>
             </a:r>
           </a:p>
           <a:p>
             <a:pPr lvl="3"/>
             <a:r>
-              <a:rPr lang="en-US"/>
+              <a:rPr lang="en-US" smtClean="0"/>
               <a:t>Fourth level</a:t>
             </a:r>
           </a:p>
           <a:p>
             <a:pPr lvl="4"/>
             <a:r>
-              <a:rPr lang="en-US"/>
+              <a:rPr lang="en-US" smtClean="0"/>
               <a:t>Fifth level</a:t>
             </a:r>
+            <a:endParaRPr lang="en-US"/>
           </a:p>
         </p:txBody>
       </p:sp>
@@ -476,7 +464,7 @@
           <a:p>
             <a:fld id="{5BCAD085-E8A6-8845-BD4E-CB4CCA059FC4}" type="datetimeFigureOut">
               <a:rPr lang="en-US" smtClean="0"/>
-              <a:t>12/5/2025</a:t>
+              <a:t>1/27/13</a:t>
             </a:fld>
             <a:endParaRPr lang="en-US"/>
           </a:p>
@@ -575,9 +563,10 @@
           <a:lstStyle/>
           <a:p>
             <a:r>
-              <a:rPr lang="en-US"/>
+              <a:rPr lang="en-US" smtClean="0"/>
               <a:t>Click to edit Master title style</a:t>
             </a:r>
+            <a:endParaRPr lang="en-US"/>
           </a:p>
         </p:txBody>
       </p:sp>
@@ -603,37 +592,38 @@
           <a:p>
             <a:pPr lvl="0"/>
             <a:r>
-              <a:rPr lang="en-US"/>
+              <a:rPr lang="en-US" smtClean="0"/>
               <a:t>Click to edit Master text styles</a:t>
             </a:r>
           </a:p>
           <a:p>
             <a:pPr lvl="1"/>
             <a:r>
-              <a:rPr lang="en-US"/>
+              <a:rPr lang="en-US" smtClean="0"/>
               <a:t>Second level</a:t>
             </a:r>
           </a:p>
           <a:p>
             <a:pPr lvl="2"/>
             <a:r>
-              <a:rPr lang="en-US"/>
+              <a:rPr lang="en-US" smtClean="0"/>
               <a:t>Third level</a:t>
             </a:r>
           </a:p>
           <a:p>
             <a:pPr lvl="3"/>
             <a:r>
-              <a:rPr lang="en-US"/>
+              <a:rPr lang="en-US" smtClean="0"/>
               <a:t>Fourth level</a:t>
             </a:r>
           </a:p>
           <a:p>
             <a:pPr lvl="4"/>
             <a:r>
-              <a:rPr lang="en-US"/>
+              <a:rPr lang="en-US" smtClean="0"/>
               <a:t>Fifth level</a:t>
             </a:r>
+            <a:endParaRPr lang="en-US"/>
           </a:p>
         </p:txBody>
       </p:sp>
@@ -654,7 +644,7 @@
           <a:p>
             <a:fld id="{5BCAD085-E8A6-8845-BD4E-CB4CCA059FC4}" type="datetimeFigureOut">
               <a:rPr lang="en-US" smtClean="0"/>
-              <a:t>12/5/2025</a:t>
+              <a:t>1/27/13</a:t>
             </a:fld>
             <a:endParaRPr lang="en-US"/>
           </a:p>
@@ -748,9 +738,10 @@
           <a:lstStyle/>
           <a:p>
             <a:r>
-              <a:rPr lang="en-US"/>
+              <a:rPr lang="en-US" smtClean="0"/>
               <a:t>Click to edit Master title style</a:t>
             </a:r>
+            <a:endParaRPr lang="en-US"/>
           </a:p>
         </p:txBody>
       </p:sp>
@@ -771,37 +762,38 @@
           <a:p>
             <a:pPr lvl="0"/>
             <a:r>
-              <a:rPr lang="en-US"/>
+              <a:rPr lang="en-US" smtClean="0"/>
               <a:t>Click to edit Master text styles</a:t>
             </a:r>
           </a:p>
           <a:p>
             <a:pPr lvl="1"/>
             <a:r>
-              <a:rPr lang="en-US"/>
+              <a:rPr lang="en-US" smtClean="0"/>
               <a:t>Second level</a:t>
             </a:r>
           </a:p>
           <a:p>
             <a:pPr lvl="2"/>
             <a:r>
-              <a:rPr lang="en-US"/>
+              <a:rPr lang="en-US" smtClean="0"/>
               <a:t>Third level</a:t>
             </a:r>
           </a:p>
           <a:p>
             <a:pPr lvl="3"/>
             <a:r>
-              <a:rPr lang="en-US"/>
+              <a:rPr lang="en-US" smtClean="0"/>
               <a:t>Fourth level</a:t>
             </a:r>
           </a:p>
           <a:p>
             <a:pPr lvl="4"/>
             <a:r>
-              <a:rPr lang="en-US"/>
+              <a:rPr lang="en-US" smtClean="0"/>
               <a:t>Fifth level</a:t>
             </a:r>
+            <a:endParaRPr lang="en-US"/>
           </a:p>
         </p:txBody>
       </p:sp>
@@ -822,7 +814,7 @@
           <a:p>
             <a:fld id="{5BCAD085-E8A6-8845-BD4E-CB4CCA059FC4}" type="datetimeFigureOut">
               <a:rPr lang="en-US" smtClean="0"/>
-              <a:t>12/5/2025</a:t>
+              <a:t>1/27/13</a:t>
             </a:fld>
             <a:endParaRPr lang="en-US"/>
           </a:p>
@@ -925,9 +917,10 @@
           </a:lstStyle>
           <a:p>
             <a:r>
-              <a:rPr lang="en-US"/>
+              <a:rPr lang="en-US" smtClean="0"/>
               <a:t>Click to edit Master title style</a:t>
             </a:r>
+            <a:endParaRPr lang="en-US"/>
           </a:p>
         </p:txBody>
       </p:sp>
@@ -1044,7 +1037,7 @@
           <a:p>
             <a:pPr lvl="0"/>
             <a:r>
-              <a:rPr lang="en-US"/>
+              <a:rPr lang="en-US" smtClean="0"/>
               <a:t>Click to edit Master text styles</a:t>
             </a:r>
           </a:p>
@@ -1067,7 +1060,7 @@
           <a:p>
             <a:fld id="{5BCAD085-E8A6-8845-BD4E-CB4CCA059FC4}" type="datetimeFigureOut">
               <a:rPr lang="en-US" smtClean="0"/>
-              <a:t>12/5/2025</a:t>
+              <a:t>1/27/13</a:t>
             </a:fld>
             <a:endParaRPr lang="en-US"/>
           </a:p>
@@ -1161,9 +1154,10 @@
           <a:lstStyle/>
           <a:p>
             <a:r>
-              <a:rPr lang="en-US"/>
+              <a:rPr lang="en-US" smtClean="0"/>
               <a:t>Click to edit Master title style</a:t>
             </a:r>
+            <a:endParaRPr lang="en-US"/>
           </a:p>
         </p:txBody>
       </p:sp>
@@ -1217,37 +1211,38 @@
           <a:p>
             <a:pPr lvl="0"/>
             <a:r>
-              <a:rPr lang="en-US"/>
+              <a:rPr lang="en-US" smtClean="0"/>
               <a:t>Click to edit Master text styles</a:t>
             </a:r>
           </a:p>
           <a:p>
             <a:pPr lvl="1"/>
             <a:r>
-              <a:rPr lang="en-US"/>
+              <a:rPr lang="en-US" smtClean="0"/>
               <a:t>Second level</a:t>
             </a:r>
           </a:p>
           <a:p>
             <a:pPr lvl="2"/>
             <a:r>
-              <a:rPr lang="en-US"/>
+              <a:rPr lang="en-US" smtClean="0"/>
               <a:t>Third level</a:t>
             </a:r>
           </a:p>
           <a:p>
             <a:pPr lvl="3"/>
             <a:r>
-              <a:rPr lang="en-US"/>
+              <a:rPr lang="en-US" smtClean="0"/>
               <a:t>Fourth level</a:t>
             </a:r>
           </a:p>
           <a:p>
             <a:pPr lvl="4"/>
             <a:r>
-              <a:rPr lang="en-US"/>
+              <a:rPr lang="en-US" smtClean="0"/>
               <a:t>Fifth level</a:t>
             </a:r>
+            <a:endParaRPr lang="en-US"/>
           </a:p>
         </p:txBody>
       </p:sp>
@@ -1301,37 +1296,38 @@
           <a:p>
             <a:pPr lvl="0"/>
             <a:r>
-              <a:rPr lang="en-US"/>
+              <a:rPr lang="en-US" smtClean="0"/>
               <a:t>Click to edit Master text styles</a:t>
             </a:r>
           </a:p>
           <a:p>
             <a:pPr lvl="1"/>
             <a:r>
-              <a:rPr lang="en-US"/>
+              <a:rPr lang="en-US" smtClean="0"/>
               <a:t>Second level</a:t>
             </a:r>
           </a:p>
           <a:p>
             <a:pPr lvl="2"/>
             <a:r>
-              <a:rPr lang="en-US"/>
+              <a:rPr lang="en-US" smtClean="0"/>
               <a:t>Third level</a:t>
             </a:r>
           </a:p>
           <a:p>
             <a:pPr lvl="3"/>
             <a:r>
-              <a:rPr lang="en-US"/>
+              <a:rPr lang="en-US" smtClean="0"/>
               <a:t>Fourth level</a:t>
             </a:r>
           </a:p>
           <a:p>
             <a:pPr lvl="4"/>
             <a:r>
-              <a:rPr lang="en-US"/>
+              <a:rPr lang="en-US" smtClean="0"/>
               <a:t>Fifth level</a:t>
             </a:r>
+            <a:endParaRPr lang="en-US"/>
           </a:p>
         </p:txBody>
       </p:sp>
@@ -1352,7 +1348,7 @@
           <a:p>
             <a:fld id="{5BCAD085-E8A6-8845-BD4E-CB4CCA059FC4}" type="datetimeFigureOut">
               <a:rPr lang="en-US" smtClean="0"/>
-              <a:t>12/5/2025</a:t>
+              <a:t>1/27/13</a:t>
             </a:fld>
             <a:endParaRPr lang="en-US"/>
           </a:p>
@@ -1450,9 +1446,10 @@
           </a:lstStyle>
           <a:p>
             <a:r>
-              <a:rPr lang="en-US"/>
+              <a:rPr lang="en-US" smtClean="0"/>
               <a:t>Click to edit Master title style</a:t>
             </a:r>
+            <a:endParaRPr lang="en-US"/>
           </a:p>
         </p:txBody>
       </p:sp>
@@ -1515,7 +1512,7 @@
           <a:p>
             <a:pPr lvl="0"/>
             <a:r>
-              <a:rPr lang="en-US"/>
+              <a:rPr lang="en-US" smtClean="0"/>
               <a:t>Click to edit Master text styles</a:t>
             </a:r>
           </a:p>
@@ -1571,37 +1568,38 @@
           <a:p>
             <a:pPr lvl="0"/>
             <a:r>
-              <a:rPr lang="en-US"/>
+              <a:rPr lang="en-US" smtClean="0"/>
               <a:t>Click to edit Master text styles</a:t>
             </a:r>
           </a:p>
           <a:p>
             <a:pPr lvl="1"/>
             <a:r>
-              <a:rPr lang="en-US"/>
+              <a:rPr lang="en-US" smtClean="0"/>
               <a:t>Second level</a:t>
             </a:r>
           </a:p>
           <a:p>
             <a:pPr lvl="2"/>
             <a:r>
-              <a:rPr lang="en-US"/>
+              <a:rPr lang="en-US" smtClean="0"/>
               <a:t>Third level</a:t>
             </a:r>
           </a:p>
           <a:p>
             <a:pPr lvl="3"/>
             <a:r>
-              <a:rPr lang="en-US"/>
+              <a:rPr lang="en-US" smtClean="0"/>
               <a:t>Fourth level</a:t>
             </a:r>
           </a:p>
           <a:p>
             <a:pPr lvl="4"/>
             <a:r>
-              <a:rPr lang="en-US"/>
+              <a:rPr lang="en-US" smtClean="0"/>
               <a:t>Fifth level</a:t>
             </a:r>
+            <a:endParaRPr lang="en-US"/>
           </a:p>
         </p:txBody>
       </p:sp>
@@ -1664,7 +1662,7 @@
           <a:p>
             <a:pPr lvl="0"/>
             <a:r>
-              <a:rPr lang="en-US"/>
+              <a:rPr lang="en-US" smtClean="0"/>
               <a:t>Click to edit Master text styles</a:t>
             </a:r>
           </a:p>
@@ -1720,37 +1718,38 @@
           <a:p>
             <a:pPr lvl="0"/>
             <a:r>
-              <a:rPr lang="en-US"/>
+              <a:rPr lang="en-US" smtClean="0"/>
               <a:t>Click to edit Master text styles</a:t>
             </a:r>
           </a:p>
           <a:p>
             <a:pPr lvl="1"/>
             <a:r>
-              <a:rPr lang="en-US"/>
+              <a:rPr lang="en-US" smtClean="0"/>
               <a:t>Second level</a:t>
             </a:r>
           </a:p>
           <a:p>
             <a:pPr lvl="2"/>
             <a:r>
-              <a:rPr lang="en-US"/>
+              <a:rPr lang="en-US" smtClean="0"/>
               <a:t>Third level</a:t>
             </a:r>
           </a:p>
           <a:p>
             <a:pPr lvl="3"/>
             <a:r>
-              <a:rPr lang="en-US"/>
+              <a:rPr lang="en-US" smtClean="0"/>
               <a:t>Fourth level</a:t>
             </a:r>
           </a:p>
           <a:p>
             <a:pPr lvl="4"/>
             <a:r>
-              <a:rPr lang="en-US"/>
+              <a:rPr lang="en-US" smtClean="0"/>
               <a:t>Fifth level</a:t>
             </a:r>
+            <a:endParaRPr lang="en-US"/>
           </a:p>
         </p:txBody>
       </p:sp>
@@ -1771,7 +1770,7 @@
           <a:p>
             <a:fld id="{5BCAD085-E8A6-8845-BD4E-CB4CCA059FC4}" type="datetimeFigureOut">
               <a:rPr lang="en-US" smtClean="0"/>
-              <a:t>12/5/2025</a:t>
+              <a:t>1/27/13</a:t>
             </a:fld>
             <a:endParaRPr lang="en-US"/>
           </a:p>
@@ -1865,9 +1864,10 @@
           <a:lstStyle/>
           <a:p>
             <a:r>
-              <a:rPr lang="en-US"/>
+              <a:rPr lang="en-US" smtClean="0"/>
               <a:t>Click to edit Master title style</a:t>
             </a:r>
+            <a:endParaRPr lang="en-US"/>
           </a:p>
         </p:txBody>
       </p:sp>
@@ -1888,7 +1888,7 @@
           <a:p>
             <a:fld id="{5BCAD085-E8A6-8845-BD4E-CB4CCA059FC4}" type="datetimeFigureOut">
               <a:rPr lang="en-US" smtClean="0"/>
-              <a:t>12/5/2025</a:t>
+              <a:t>1/27/13</a:t>
             </a:fld>
             <a:endParaRPr lang="en-US"/>
           </a:p>
@@ -1983,7 +1983,7 @@
           <a:p>
             <a:fld id="{5BCAD085-E8A6-8845-BD4E-CB4CCA059FC4}" type="datetimeFigureOut">
               <a:rPr lang="en-US" smtClean="0"/>
-              <a:t>12/5/2025</a:t>
+              <a:t>1/27/13</a:t>
             </a:fld>
             <a:endParaRPr lang="en-US"/>
           </a:p>
@@ -2086,9 +2086,10 @@
           </a:lstStyle>
           <a:p>
             <a:r>
-              <a:rPr lang="en-US"/>
+              <a:rPr lang="en-US" smtClean="0"/>
               <a:t>Click to edit Master title style</a:t>
             </a:r>
+            <a:endParaRPr lang="en-US"/>
           </a:p>
         </p:txBody>
       </p:sp>
@@ -2142,37 +2143,38 @@
           <a:p>
             <a:pPr lvl="0"/>
             <a:r>
-              <a:rPr lang="en-US"/>
+              <a:rPr lang="en-US" smtClean="0"/>
               <a:t>Click to edit Master text styles</a:t>
             </a:r>
           </a:p>
           <a:p>
             <a:pPr lvl="1"/>
             <a:r>
-              <a:rPr lang="en-US"/>
+              <a:rPr lang="en-US" smtClean="0"/>
               <a:t>Second level</a:t>
             </a:r>
           </a:p>
           <a:p>
             <a:pPr lvl="2"/>
             <a:r>
-              <a:rPr lang="en-US"/>
+              <a:rPr lang="en-US" smtClean="0"/>
               <a:t>Third level</a:t>
             </a:r>
           </a:p>
           <a:p>
             <a:pPr lvl="3"/>
             <a:r>
-              <a:rPr lang="en-US"/>
+              <a:rPr lang="en-US" smtClean="0"/>
               <a:t>Fourth level</a:t>
             </a:r>
           </a:p>
           <a:p>
             <a:pPr lvl="4"/>
             <a:r>
-              <a:rPr lang="en-US"/>
+              <a:rPr lang="en-US" smtClean="0"/>
               <a:t>Fifth level</a:t>
             </a:r>
+            <a:endParaRPr lang="en-US"/>
           </a:p>
         </p:txBody>
       </p:sp>
@@ -2235,7 +2237,7 @@
           <a:p>
             <a:pPr lvl="0"/>
             <a:r>
-              <a:rPr lang="en-US"/>
+              <a:rPr lang="en-US" smtClean="0"/>
               <a:t>Click to edit Master text styles</a:t>
             </a:r>
           </a:p>
@@ -2258,7 +2260,7 @@
           <a:p>
             <a:fld id="{5BCAD085-E8A6-8845-BD4E-CB4CCA059FC4}" type="datetimeFigureOut">
               <a:rPr lang="en-US" smtClean="0"/>
-              <a:t>12/5/2025</a:t>
+              <a:t>1/27/13</a:t>
             </a:fld>
             <a:endParaRPr lang="en-US"/>
           </a:p>
@@ -2361,9 +2363,10 @@
           </a:lstStyle>
           <a:p>
             <a:r>
-              <a:rPr lang="en-US"/>
+              <a:rPr lang="en-US" smtClean="0"/>
               <a:t>Click to edit Master title style</a:t>
             </a:r>
+            <a:endParaRPr lang="en-US"/>
           </a:p>
         </p:txBody>
       </p:sp>
@@ -2487,7 +2490,7 @@
           <a:p>
             <a:pPr lvl="0"/>
             <a:r>
-              <a:rPr lang="en-US"/>
+              <a:rPr lang="en-US" smtClean="0"/>
               <a:t>Click to edit Master text styles</a:t>
             </a:r>
           </a:p>
@@ -2510,7 +2513,7 @@
           <a:p>
             <a:fld id="{5BCAD085-E8A6-8845-BD4E-CB4CCA059FC4}" type="datetimeFigureOut">
               <a:rPr lang="en-US" smtClean="0"/>
-              <a:t>12/5/2025</a:t>
+              <a:t>1/27/13</a:t>
             </a:fld>
             <a:endParaRPr lang="en-US"/>
           </a:p>
@@ -2619,9 +2622,10 @@
           <a:lstStyle/>
           <a:p>
             <a:r>
-              <a:rPr lang="en-US"/>
+              <a:rPr lang="en-US" smtClean="0"/>
               <a:t>Click to edit Master title style</a:t>
             </a:r>
+            <a:endParaRPr lang="en-US"/>
           </a:p>
         </p:txBody>
       </p:sp>
@@ -2652,37 +2656,38 @@
           <a:p>
             <a:pPr lvl="0"/>
             <a:r>
-              <a:rPr lang="en-US"/>
+              <a:rPr lang="en-US" smtClean="0"/>
               <a:t>Click to edit Master text styles</a:t>
             </a:r>
           </a:p>
           <a:p>
             <a:pPr lvl="1"/>
             <a:r>
-              <a:rPr lang="en-US"/>
+              <a:rPr lang="en-US" smtClean="0"/>
               <a:t>Second level</a:t>
             </a:r>
           </a:p>
           <a:p>
             <a:pPr lvl="2"/>
             <a:r>
-              <a:rPr lang="en-US"/>
+              <a:rPr lang="en-US" smtClean="0"/>
               <a:t>Third level</a:t>
             </a:r>
           </a:p>
           <a:p>
             <a:pPr lvl="3"/>
             <a:r>
-              <a:rPr lang="en-US"/>
+              <a:rPr lang="en-US" smtClean="0"/>
               <a:t>Fourth level</a:t>
             </a:r>
           </a:p>
           <a:p>
             <a:pPr lvl="4"/>
             <a:r>
-              <a:rPr lang="en-US"/>
+              <a:rPr lang="en-US" smtClean="0"/>
               <a:t>Fifth level</a:t>
             </a:r>
+            <a:endParaRPr lang="en-US"/>
           </a:p>
         </p:txBody>
       </p:sp>
@@ -2721,7 +2726,7 @@
           <a:p>
             <a:fld id="{5BCAD085-E8A6-8845-BD4E-CB4CCA059FC4}" type="datetimeFigureOut">
               <a:rPr lang="en-US" smtClean="0"/>
-              <a:t>12/5/2025</a:t>
+              <a:t>1/27/13</a:t>
             </a:fld>
             <a:endParaRPr lang="en-US"/>
           </a:p>
@@ -3080,7 +3085,7 @@
 </file>
 
 <file path=ppt/slides/slide1.xml><?xml version="1.0" encoding="utf-8"?>
-<p:sld xmlns:a="http://schemas.openxmlformats.org/drawingml/2006/main" xmlns:r="http://schemas.openxmlformats.org/officeDocument/2006/relationships" xmlns:p="http://schemas.openxmlformats.org/presentationml/2006/main">
+<p:sld xmlns:a="http://schemas.openxmlformats.org/drawingml/2006/main" xmlns:p="http://schemas.openxmlformats.org/presentationml/2006/main" xmlns:r="http://schemas.openxmlformats.org/officeDocument/2006/relationships">
   <p:cSld>
     <p:spTree>
       <p:nvGrpSpPr>
@@ -3088,14 +3093,7 @@
         <p:cNvGrpSpPr/>
         <p:nvPr/>
       </p:nvGrpSpPr>
-      <p:grpSpPr>
-        <a:xfrm>
-          <a:off x="0" y="0"/>
-          <a:ext cx="0" cy="0"/>
-          <a:chOff x="0" y="0"/>
-          <a:chExt cx="0" cy="0"/>
-        </a:xfrm>
-      </p:grpSpPr>
+      <p:grpSpPr/>
       <p:sp>
         <p:nvSpPr>
           <p:cNvPr id="2" name="Title 1"/>
@@ -3152,7 +3150,7 @@
 </file>
 
 <file path=ppt/slides/slide2.xml><?xml version="1.0" encoding="utf-8"?>
-<p:sld xmlns:a="http://schemas.openxmlformats.org/drawingml/2006/main" xmlns:r="http://schemas.openxmlformats.org/officeDocument/2006/relationships" xmlns:p="http://schemas.openxmlformats.org/presentationml/2006/main">
+<p:sld xmlns:a="http://schemas.openxmlformats.org/drawingml/2006/main" xmlns:p="http://schemas.openxmlformats.org/presentationml/2006/main" xmlns:r="http://schemas.openxmlformats.org/officeDocument/2006/relationships">
   <p:cSld>
     <p:spTree>
       <p:nvGrpSpPr>
@@ -3160,14 +3158,7 @@
         <p:cNvGrpSpPr/>
         <p:nvPr/>
       </p:nvGrpSpPr>
-      <p:grpSpPr>
-        <a:xfrm>
-          <a:off x="0" y="0"/>
-          <a:ext cx="0" cy="0"/>
-          <a:chOff x="0" y="0"/>
-          <a:chExt cx="0" cy="0"/>
-        </a:xfrm>
-      </p:grpSpPr>
+      <p:grpSpPr/>
       <p:sp>
         <p:nvSpPr>
           <p:cNvPr id="2" name="Title 1"/>
@@ -3203,9 +3194,7 @@
         <p:txBody>
           <a:bodyPr/>
           <a:lstStyle/>
-          <a:p>
-            <a:endParaRPr/>
-          </a:p>
+          <a:p/>
           <a:p>
             <a:pPr>
               <a:defRPr sz="2400"/>
@@ -3249,7 +3238,7 @@
 </file>
 
 <file path=ppt/slides/slide3.xml><?xml version="1.0" encoding="utf-8"?>
-<p:sld xmlns:a="http://schemas.openxmlformats.org/drawingml/2006/main" xmlns:r="http://schemas.openxmlformats.org/officeDocument/2006/relationships" xmlns:p="http://schemas.openxmlformats.org/presentationml/2006/main">
+<p:sld xmlns:a="http://schemas.openxmlformats.org/drawingml/2006/main" xmlns:p="http://schemas.openxmlformats.org/presentationml/2006/main" xmlns:r="http://schemas.openxmlformats.org/officeDocument/2006/relationships">
   <p:cSld>
     <p:spTree>
       <p:nvGrpSpPr>
@@ -3257,14 +3246,7 @@
         <p:cNvGrpSpPr/>
         <p:nvPr/>
       </p:nvGrpSpPr>
-      <p:grpSpPr>
-        <a:xfrm>
-          <a:off x="0" y="0"/>
-          <a:ext cx="0" cy="0"/>
-          <a:chOff x="0" y="0"/>
-          <a:chExt cx="0" cy="0"/>
-        </a:xfrm>
-      </p:grpSpPr>
+      <p:grpSpPr/>
       <p:sp>
         <p:nvSpPr>
           <p:cNvPr id="2" name="Title 1"/>
@@ -3300,9 +3282,7 @@
         <p:txBody>
           <a:bodyPr/>
           <a:lstStyle/>
-          <a:p>
-            <a:endParaRPr/>
-          </a:p>
+          <a:p/>
           <a:p>
             <a:pPr>
               <a:defRPr sz="2400"/>
@@ -3346,7 +3326,7 @@
 </file>
 
 <file path=ppt/slides/slide4.xml><?xml version="1.0" encoding="utf-8"?>
-<p:sld xmlns:a="http://schemas.openxmlformats.org/drawingml/2006/main" xmlns:r="http://schemas.openxmlformats.org/officeDocument/2006/relationships" xmlns:p="http://schemas.openxmlformats.org/presentationml/2006/main">
+<p:sld xmlns:a="http://schemas.openxmlformats.org/drawingml/2006/main" xmlns:p="http://schemas.openxmlformats.org/presentationml/2006/main" xmlns:r="http://schemas.openxmlformats.org/officeDocument/2006/relationships">
   <p:cSld>
     <p:spTree>
       <p:nvGrpSpPr>
@@ -3354,14 +3334,7 @@
         <p:cNvGrpSpPr/>
         <p:nvPr/>
       </p:nvGrpSpPr>
-      <p:grpSpPr>
-        <a:xfrm>
-          <a:off x="0" y="0"/>
-          <a:ext cx="0" cy="0"/>
-          <a:chOff x="0" y="0"/>
-          <a:chExt cx="0" cy="0"/>
-        </a:xfrm>
-      </p:grpSpPr>
+      <p:grpSpPr/>
       <p:sp>
         <p:nvSpPr>
           <p:cNvPr id="2" name="Title 1"/>
@@ -3378,7 +3351,7 @@
           <a:lstStyle/>
           <a:p>
             <a:r>
-              <a:t>Key Features</a:t>
+              <a:t>Key Features: Empowering the Manager</a:t>
             </a:r>
           </a:p>
         </p:txBody>
@@ -3397,15 +3370,13 @@
         <p:txBody>
           <a:bodyPr/>
           <a:lstStyle/>
-          <a:p>
-            <a:endParaRPr/>
-          </a:p>
+          <a:p/>
           <a:p>
             <a:pPr>
               <a:defRPr sz="2400"/>
             </a:pPr>
             <a:r>
-              <a:t>Client 360° Dashboard: Unified view of risk &amp; holdings.</a:t>
+              <a:t>Strategy Crew (NEW): Multi-Agent team for portfolio planning.</a:t>
             </a:r>
           </a:p>
           <a:p>
@@ -3413,7 +3384,7 @@
               <a:defRPr sz="2400"/>
             </a:pPr>
             <a:r>
-              <a:t>News Impact Agent: Real-time sentiment analysis per client.</a:t>
+              <a:t>Black Swan Simulator (NEW): Market crash impact modeling.</a:t>
             </a:r>
           </a:p>
           <a:p>
@@ -3421,7 +3392,7 @@
               <a:defRPr sz="2400"/>
             </a:pPr>
             <a:r>
-              <a:t>Meeting Prep Agent: One-click agenda &amp; script generation.</a:t>
+              <a:t>Real-Time Feedback: Transparent AI reasoning UI.</a:t>
             </a:r>
           </a:p>
           <a:p>
@@ -3429,7 +3400,15 @@
               <a:defRPr sz="2400"/>
             </a:pPr>
             <a:r>
-              <a:t>Interactive Chat: 'Talk to your data' for complex queries.</a:t>
+              <a:t>Client 360° Dashboard: Deep risk &amp; holding analysis.</a:t>
+            </a:r>
+          </a:p>
+          <a:p>
+            <a:pPr>
+              <a:defRPr sz="2400"/>
+            </a:pPr>
+            <a:r>
+              <a:t>News Impact Agent: Personalized sentiment scanning.</a:t>
             </a:r>
           </a:p>
         </p:txBody>
@@ -3443,7 +3422,7 @@
 </file>
 
 <file path=ppt/slides/slide5.xml><?xml version="1.0" encoding="utf-8"?>
-<p:sld xmlns:a="http://schemas.openxmlformats.org/drawingml/2006/main" xmlns:r="http://schemas.openxmlformats.org/officeDocument/2006/relationships" xmlns:p="http://schemas.openxmlformats.org/presentationml/2006/main">
+<p:sld xmlns:a="http://schemas.openxmlformats.org/drawingml/2006/main" xmlns:p="http://schemas.openxmlformats.org/presentationml/2006/main" xmlns:r="http://schemas.openxmlformats.org/officeDocument/2006/relationships">
   <p:cSld>
     <p:spTree>
       <p:nvGrpSpPr>
@@ -3451,14 +3430,7 @@
         <p:cNvGrpSpPr/>
         <p:nvPr/>
       </p:nvGrpSpPr>
-      <p:grpSpPr>
-        <a:xfrm>
-          <a:off x="0" y="0"/>
-          <a:ext cx="0" cy="0"/>
-          <a:chOff x="0" y="0"/>
-          <a:chExt cx="0" cy="0"/>
-        </a:xfrm>
-      </p:grpSpPr>
+      <p:grpSpPr/>
       <p:sp>
         <p:nvSpPr>
           <p:cNvPr id="2" name="Title 1"/>
@@ -3494,24 +3466,13 @@
         <p:txBody>
           <a:bodyPr/>
           <a:lstStyle/>
-          <a:p>
-            <a:endParaRPr dirty="0"/>
-          </a:p>
+          <a:p/>
           <a:p>
             <a:pPr>
               <a:defRPr sz="2400"/>
             </a:pPr>
             <a:r>
-              <a:rPr dirty="0"/>
-              <a:t>Frontend: </a:t>
-            </a:r>
-            <a:r>
-              <a:rPr dirty="0" err="1"/>
-              <a:t>Streamlit</a:t>
-            </a:r>
-            <a:r>
-              <a:rPr dirty="0"/>
-              <a:t> (Python)</a:t>
+              <a:t>Frontend: Streamlit (Python)</a:t>
             </a:r>
           </a:p>
           <a:p>
@@ -3519,16 +3480,7 @@
               <a:defRPr sz="2400"/>
             </a:pPr>
             <a:r>
-              <a:rPr dirty="0"/>
-              <a:t>Intelligence: Google Gemini </a:t>
-            </a:r>
-            <a:r>
-              <a:rPr lang="en-IN" dirty="0"/>
-              <a:t>2</a:t>
-            </a:r>
-            <a:r>
-              <a:rPr dirty="0"/>
-              <a:t>.5 Flash</a:t>
+              <a:t>Intelligence: Google Gemini 1.5 Flash</a:t>
             </a:r>
           </a:p>
           <a:p>
@@ -3536,8 +3488,7 @@
               <a:defRPr sz="2400"/>
             </a:pPr>
             <a:r>
-              <a:rPr dirty="0"/>
-              <a:t>Data Layer: Yahoo Finance (Live) + Synthetic Data</a:t>
+              <a:t>Agent Framework: Custom Multi-Agent Engine (CrewAI-style)</a:t>
             </a:r>
           </a:p>
           <a:p>
@@ -3545,8 +3496,7 @@
               <a:defRPr sz="2400"/>
             </a:pPr>
             <a:r>
-              <a:rPr dirty="0"/>
-              <a:t>Security: Enterprise-grade data handling patterns.</a:t>
+              <a:t>Data Layer: Yahoo Finance (Live) + Synthetic Data</a:t>
             </a:r>
           </a:p>
         </p:txBody>
@@ -3560,7 +3510,7 @@
 </file>
 
 <file path=ppt/slides/slide6.xml><?xml version="1.0" encoding="utf-8"?>
-<p:sld xmlns:a="http://schemas.openxmlformats.org/drawingml/2006/main" xmlns:r="http://schemas.openxmlformats.org/officeDocument/2006/relationships" xmlns:p="http://schemas.openxmlformats.org/presentationml/2006/main">
+<p:sld xmlns:a="http://schemas.openxmlformats.org/drawingml/2006/main" xmlns:p="http://schemas.openxmlformats.org/presentationml/2006/main" xmlns:r="http://schemas.openxmlformats.org/officeDocument/2006/relationships">
   <p:cSld>
     <p:spTree>
       <p:nvGrpSpPr>
@@ -3568,14 +3518,7 @@
         <p:cNvGrpSpPr/>
         <p:nvPr/>
       </p:nvGrpSpPr>
-      <p:grpSpPr>
-        <a:xfrm>
-          <a:off x="0" y="0"/>
-          <a:ext cx="0" cy="0"/>
-          <a:chOff x="0" y="0"/>
-          <a:chExt cx="0" cy="0"/>
-        </a:xfrm>
-      </p:grpSpPr>
+      <p:grpSpPr/>
       <p:sp>
         <p:nvSpPr>
           <p:cNvPr id="2" name="Title 1"/>
@@ -3611,9 +3554,7 @@
         <p:txBody>
           <a:bodyPr/>
           <a:lstStyle/>
-          <a:p>
-            <a:endParaRPr/>
-          </a:p>
+          <a:p/>
           <a:p>
             <a:pPr>
               <a:defRPr sz="2400"/>
@@ -3657,7 +3598,7 @@
 </file>
 
 <file path=ppt/slides/slide7.xml><?xml version="1.0" encoding="utf-8"?>
-<p:sld xmlns:a="http://schemas.openxmlformats.org/drawingml/2006/main" xmlns:r="http://schemas.openxmlformats.org/officeDocument/2006/relationships" xmlns:p="http://schemas.openxmlformats.org/presentationml/2006/main">
+<p:sld xmlns:a="http://schemas.openxmlformats.org/drawingml/2006/main" xmlns:p="http://schemas.openxmlformats.org/presentationml/2006/main" xmlns:r="http://schemas.openxmlformats.org/officeDocument/2006/relationships">
   <p:cSld>
     <p:spTree>
       <p:nvGrpSpPr>
@@ -3665,14 +3606,7 @@
         <p:cNvGrpSpPr/>
         <p:nvPr/>
       </p:nvGrpSpPr>
-      <p:grpSpPr>
-        <a:xfrm>
-          <a:off x="0" y="0"/>
-          <a:ext cx="0" cy="0"/>
-          <a:chOff x="0" y="0"/>
-          <a:chExt cx="0" cy="0"/>
-        </a:xfrm>
-      </p:grpSpPr>
+      <p:grpSpPr/>
       <p:sp>
         <p:nvSpPr>
           <p:cNvPr id="2" name="Title 1"/>
@@ -3708,9 +3642,7 @@
         <p:txBody>
           <a:bodyPr/>
           <a:lstStyle/>
-          <a:p>
-            <a:endParaRPr/>
-          </a:p>
+          <a:p/>
           <a:p>
             <a:pPr>
               <a:defRPr sz="2400"/>
